--- a/Plantilla Exposición.pptx
+++ b/Plantilla Exposición.pptx
@@ -219,7 +219,7 @@
           <a:p>
             <a:fld id="{C07D19E9-3DC3-43AA-B8A5-68F9F08FF11C}" type="datetimeFigureOut">
               <a:rPr lang="es-MX" smtClean="0"/>
-              <a:t>16/06/2022</a:t>
+              <a:t>17/06/22</a:t>
             </a:fld>
             <a:endParaRPr lang="es-MX"/>
           </a:p>
@@ -2053,7 +2053,7 @@
             <a:fld id="{8B1BE4B8-A65F-421A-BADE-BC0C3268AAE4}" type="datetimeFigureOut">
               <a:rPr lang="en-US" smtClean="0"/>
               <a:pPr/>
-              <a:t>6/16/2022</a:t>
+              <a:t>6/17/22</a:t>
             </a:fld>
             <a:endParaRPr lang="en-US"/>
           </a:p>
@@ -2276,7 +2276,7 @@
           <a:p>
             <a:fld id="{8B1BE4B8-A65F-421A-BADE-BC0C3268AAE4}" type="datetimeFigureOut">
               <a:rPr lang="en-US" smtClean="0"/>
-              <a:t>6/16/2022</a:t>
+              <a:t>6/17/22</a:t>
             </a:fld>
             <a:endParaRPr lang="en-US"/>
           </a:p>
@@ -2492,7 +2492,7 @@
           <a:p>
             <a:fld id="{8B1BE4B8-A65F-421A-BADE-BC0C3268AAE4}" type="datetimeFigureOut">
               <a:rPr lang="en-US" smtClean="0"/>
-              <a:t>6/16/2022</a:t>
+              <a:t>6/17/22</a:t>
             </a:fld>
             <a:endParaRPr lang="en-US"/>
           </a:p>
@@ -2698,7 +2698,7 @@
           <a:p>
             <a:fld id="{8B1BE4B8-A65F-421A-BADE-BC0C3268AAE4}" type="datetimeFigureOut">
               <a:rPr lang="en-US" smtClean="0"/>
-              <a:t>6/16/2022</a:t>
+              <a:t>6/17/22</a:t>
             </a:fld>
             <a:endParaRPr lang="en-US"/>
           </a:p>
@@ -2977,7 +2977,7 @@
           <a:p>
             <a:fld id="{8B1BE4B8-A65F-421A-BADE-BC0C3268AAE4}" type="datetimeFigureOut">
               <a:rPr lang="en-US" smtClean="0"/>
-              <a:t>6/16/2022</a:t>
+              <a:t>6/17/22</a:t>
             </a:fld>
             <a:endParaRPr lang="en-US"/>
           </a:p>
@@ -3250,7 +3250,7 @@
           <a:p>
             <a:fld id="{8B1BE4B8-A65F-421A-BADE-BC0C3268AAE4}" type="datetimeFigureOut">
               <a:rPr lang="en-US" smtClean="0"/>
-              <a:t>6/16/2022</a:t>
+              <a:t>6/17/22</a:t>
             </a:fld>
             <a:endParaRPr lang="en-US"/>
           </a:p>
@@ -3670,7 +3670,7 @@
           <a:p>
             <a:fld id="{8B1BE4B8-A65F-421A-BADE-BC0C3268AAE4}" type="datetimeFigureOut">
               <a:rPr lang="en-US" smtClean="0"/>
-              <a:t>6/16/2022</a:t>
+              <a:t>6/17/22</a:t>
             </a:fld>
             <a:endParaRPr lang="en-US"/>
           </a:p>
@@ -3819,7 +3819,7 @@
           <a:p>
             <a:fld id="{8B1BE4B8-A65F-421A-BADE-BC0C3268AAE4}" type="datetimeFigureOut">
               <a:rPr lang="en-US" smtClean="0"/>
-              <a:t>6/16/2022</a:t>
+              <a:t>6/17/22</a:t>
             </a:fld>
             <a:endParaRPr lang="en-US"/>
           </a:p>
@@ -3932,7 +3932,7 @@
           <a:p>
             <a:fld id="{8B1BE4B8-A65F-421A-BADE-BC0C3268AAE4}" type="datetimeFigureOut">
               <a:rPr lang="en-US" smtClean="0"/>
-              <a:t>6/16/2022</a:t>
+              <a:t>6/17/22</a:t>
             </a:fld>
             <a:endParaRPr lang="en-US"/>
           </a:p>
@@ -4267,7 +4267,7 @@
           <a:p>
             <a:fld id="{8B1BE4B8-A65F-421A-BADE-BC0C3268AAE4}" type="datetimeFigureOut">
               <a:rPr lang="en-US" smtClean="0"/>
-              <a:t>6/16/2022</a:t>
+              <a:t>6/17/22</a:t>
             </a:fld>
             <a:endParaRPr lang="en-US"/>
           </a:p>
@@ -4559,7 +4559,7 @@
           <a:p>
             <a:fld id="{8B1BE4B8-A65F-421A-BADE-BC0C3268AAE4}" type="datetimeFigureOut">
               <a:rPr lang="en-US" smtClean="0"/>
-              <a:t>6/16/2022</a:t>
+              <a:t>6/17/22</a:t>
             </a:fld>
             <a:endParaRPr lang="en-US"/>
           </a:p>
@@ -4800,7 +4800,7 @@
           <a:p>
             <a:fld id="{8B1BE4B8-A65F-421A-BADE-BC0C3268AAE4}" type="datetimeFigureOut">
               <a:rPr lang="en-US" smtClean="0"/>
-              <a:t>6/16/2022</a:t>
+              <a:t>6/17/22</a:t>
             </a:fld>
             <a:endParaRPr lang="en-US"/>
           </a:p>
@@ -6016,10 +6016,10 @@
       </p:cxnSp>
       <p:pic>
         <p:nvPicPr>
-          <p:cNvPr id="5" name="Imagen 4" descr="Captura de pantalla con letras y números&#10;&#10;Descripción generada automáticamente">
+          <p:cNvPr id="4" name="Imagen 3">
             <a:extLst>
               <a:ext uri="{FF2B5EF4-FFF2-40B4-BE49-F238E27FC236}">
-                <a16:creationId xmlns:a16="http://schemas.microsoft.com/office/drawing/2014/main" id="{26A888CA-44A0-2C2A-6C36-C5FCF0306233}"/>
+                <a16:creationId xmlns:a16="http://schemas.microsoft.com/office/drawing/2014/main" id="{F66B4FB3-5098-44BD-37FB-032157362B0D}"/>
               </a:ext>
             </a:extLst>
           </p:cNvPr>
@@ -6042,8 +6042,8 @@
         </p:blipFill>
         <p:spPr>
           <a:xfrm>
-            <a:off x="320040" y="3015168"/>
-            <a:ext cx="11496821" cy="2822382"/>
+            <a:off x="2350115" y="3088353"/>
+            <a:ext cx="7226300" cy="2451100"/>
           </a:xfrm>
           <a:prstGeom prst="rect">
             <a:avLst/>
@@ -15988,7 +15988,22 @@
           <a:bodyPr/>
           <a:lstStyle/>
           <a:p>
-            <a:endParaRPr lang="en-US"/>
+            <a:pPr marL="0" indent="0">
+              <a:buNone/>
+            </a:pPr>
+            <a:r>
+              <a:rPr lang="es-ES_tradnl" dirty="0"/>
+              <a:t>Podemos concluir que de nada nos sirve tener muchos datos si no somos capaces de interpretarlos para poder generar información y conocimiento en base a estos, por lo que en esta practica hemos aprendido los pasos básicos para poder convertir esos datos a información. </a:t>
+            </a:r>
+          </a:p>
+          <a:p>
+            <a:pPr marL="0" indent="0">
+              <a:buNone/>
+            </a:pPr>
+            <a:r>
+              <a:rPr lang="es-ES_tradnl" b="1" dirty="0"/>
+              <a:t>El mundo es rico en datos pero pobre en información. </a:t>
+            </a:r>
           </a:p>
         </p:txBody>
       </p:sp>
